--- a/credit_default.pptx
+++ b/credit_default.pptx
@@ -119,6 +119,11 @@
       </a:defRPr>
     </a:lvl9pPr>
   </p:defaultTextStyle>
+  <p:extLst>
+    <p:ext uri="{EFAFB233-063F-42B5-8137-9DF3F51BA10A}">
+      <p15:sldGuideLst xmlns:p15="http://schemas.microsoft.com/office/powerpoint/2012/main"/>
+    </p:ext>
+  </p:extLst>
 </p:presentation>
 </file>
 
@@ -630,7 +635,7 @@
           <a:p>
             <a:fld id="{021EB47B-E939-4A11-BF9C-4B87D56C96C1}" type="datetimeFigureOut">
               <a:rPr lang="en-IN" smtClean="0"/>
-              <a:t>18-08-2025</a:t>
+              <a:t>22-08-2025</a:t>
             </a:fld>
             <a:endParaRPr lang="en-IN"/>
           </a:p>
@@ -1612,7 +1617,7 @@
           <a:p>
             <a:fld id="{021EB47B-E939-4A11-BF9C-4B87D56C96C1}" type="datetimeFigureOut">
               <a:rPr lang="en-IN" smtClean="0"/>
-              <a:t>18-08-2025</a:t>
+              <a:t>22-08-2025</a:t>
             </a:fld>
             <a:endParaRPr lang="en-IN"/>
           </a:p>
@@ -2482,7 +2487,7 @@
           <a:p>
             <a:fld id="{021EB47B-E939-4A11-BF9C-4B87D56C96C1}" type="datetimeFigureOut">
               <a:rPr lang="en-IN" smtClean="0"/>
-              <a:t>18-08-2025</a:t>
+              <a:t>22-08-2025</a:t>
             </a:fld>
             <a:endParaRPr lang="en-IN"/>
           </a:p>
@@ -3503,7 +3508,7 @@
           <a:p>
             <a:fld id="{021EB47B-E939-4A11-BF9C-4B87D56C96C1}" type="datetimeFigureOut">
               <a:rPr lang="en-IN" smtClean="0"/>
-              <a:t>18-08-2025</a:t>
+              <a:t>22-08-2025</a:t>
             </a:fld>
             <a:endParaRPr lang="en-IN"/>
           </a:p>
@@ -4423,7 +4428,7 @@
           <a:p>
             <a:fld id="{021EB47B-E939-4A11-BF9C-4B87D56C96C1}" type="datetimeFigureOut">
               <a:rPr lang="en-IN" smtClean="0"/>
-              <a:t>18-08-2025</a:t>
+              <a:t>22-08-2025</a:t>
             </a:fld>
             <a:endParaRPr lang="en-IN"/>
           </a:p>
@@ -5079,7 +5084,7 @@
           <a:p>
             <a:fld id="{021EB47B-E939-4A11-BF9C-4B87D56C96C1}" type="datetimeFigureOut">
               <a:rPr lang="en-IN" smtClean="0"/>
-              <a:t>18-08-2025</a:t>
+              <a:t>22-08-2025</a:t>
             </a:fld>
             <a:endParaRPr lang="en-IN"/>
           </a:p>
@@ -5936,7 +5941,7 @@
           <a:p>
             <a:fld id="{021EB47B-E939-4A11-BF9C-4B87D56C96C1}" type="datetimeFigureOut">
               <a:rPr lang="en-IN" smtClean="0"/>
-              <a:t>18-08-2025</a:t>
+              <a:t>22-08-2025</a:t>
             </a:fld>
             <a:endParaRPr lang="en-IN"/>
           </a:p>
@@ -6119,7 +6124,7 @@
           <a:p>
             <a:fld id="{021EB47B-E939-4A11-BF9C-4B87D56C96C1}" type="datetimeFigureOut">
               <a:rPr lang="en-IN" smtClean="0"/>
-              <a:t>18-08-2025</a:t>
+              <a:t>22-08-2025</a:t>
             </a:fld>
             <a:endParaRPr lang="en-IN"/>
           </a:p>
@@ -6976,7 +6981,7 @@
           <a:p>
             <a:fld id="{021EB47B-E939-4A11-BF9C-4B87D56C96C1}" type="datetimeFigureOut">
               <a:rPr lang="en-IN" smtClean="0"/>
-              <a:t>18-08-2025</a:t>
+              <a:t>22-08-2025</a:t>
             </a:fld>
             <a:endParaRPr lang="en-IN"/>
           </a:p>
@@ -7195,7 +7200,7 @@
           <a:p>
             <a:fld id="{021EB47B-E939-4A11-BF9C-4B87D56C96C1}" type="datetimeFigureOut">
               <a:rPr lang="en-IN" smtClean="0"/>
-              <a:t>18-08-2025</a:t>
+              <a:t>22-08-2025</a:t>
             </a:fld>
             <a:endParaRPr lang="en-IN"/>
           </a:p>
@@ -8120,7 +8125,7 @@
           <a:p>
             <a:fld id="{021EB47B-E939-4A11-BF9C-4B87D56C96C1}" type="datetimeFigureOut">
               <a:rPr lang="en-IN" smtClean="0"/>
-              <a:t>18-08-2025</a:t>
+              <a:t>22-08-2025</a:t>
             </a:fld>
             <a:endParaRPr lang="en-IN"/>
           </a:p>
@@ -8404,7 +8409,7 @@
           <a:p>
             <a:fld id="{021EB47B-E939-4A11-BF9C-4B87D56C96C1}" type="datetimeFigureOut">
               <a:rPr lang="en-IN" smtClean="0"/>
-              <a:t>18-08-2025</a:t>
+              <a:t>22-08-2025</a:t>
             </a:fld>
             <a:endParaRPr lang="en-IN"/>
           </a:p>
@@ -8794,7 +8799,7 @@
           <a:p>
             <a:fld id="{021EB47B-E939-4A11-BF9C-4B87D56C96C1}" type="datetimeFigureOut">
               <a:rPr lang="en-IN" smtClean="0"/>
-              <a:t>18-08-2025</a:t>
+              <a:t>22-08-2025</a:t>
             </a:fld>
             <a:endParaRPr lang="en-IN"/>
           </a:p>
@@ -8920,7 +8925,7 @@
           <a:p>
             <a:fld id="{021EB47B-E939-4A11-BF9C-4B87D56C96C1}" type="datetimeFigureOut">
               <a:rPr lang="en-IN" smtClean="0"/>
-              <a:t>18-08-2025</a:t>
+              <a:t>22-08-2025</a:t>
             </a:fld>
             <a:endParaRPr lang="en-IN"/>
           </a:p>
@@ -9015,7 +9020,7 @@
           <a:p>
             <a:fld id="{021EB47B-E939-4A11-BF9C-4B87D56C96C1}" type="datetimeFigureOut">
               <a:rPr lang="en-IN" smtClean="0"/>
-              <a:t>18-08-2025</a:t>
+              <a:t>22-08-2025</a:t>
             </a:fld>
             <a:endParaRPr lang="en-IN"/>
           </a:p>
@@ -9986,7 +9991,7 @@
           <a:p>
             <a:fld id="{021EB47B-E939-4A11-BF9C-4B87D56C96C1}" type="datetimeFigureOut">
               <a:rPr lang="en-IN" smtClean="0"/>
-              <a:t>18-08-2025</a:t>
+              <a:t>22-08-2025</a:t>
             </a:fld>
             <a:endParaRPr lang="en-IN"/>
           </a:p>
@@ -10981,7 +10986,7 @@
           <a:p>
             <a:fld id="{021EB47B-E939-4A11-BF9C-4B87D56C96C1}" type="datetimeFigureOut">
               <a:rPr lang="en-IN" smtClean="0"/>
-              <a:t>18-08-2025</a:t>
+              <a:t>22-08-2025</a:t>
             </a:fld>
             <a:endParaRPr lang="en-IN"/>
           </a:p>
@@ -11865,7 +11870,7 @@
           <a:p>
             <a:fld id="{021EB47B-E939-4A11-BF9C-4B87D56C96C1}" type="datetimeFigureOut">
               <a:rPr lang="en-IN" smtClean="0"/>
-              <a:t>18-08-2025</a:t>
+              <a:t>22-08-2025</a:t>
             </a:fld>
             <a:endParaRPr lang="en-IN"/>
           </a:p>
@@ -13208,8 +13213,8 @@
         </p:nvSpPr>
         <p:spPr bwMode="auto">
           <a:xfrm>
-            <a:off x="307790" y="2841081"/>
-            <a:ext cx="3545753" cy="1107996"/>
+            <a:off x="307790" y="2585017"/>
+            <a:ext cx="3545753" cy="1384995"/>
           </a:xfrm>
           <a:prstGeom prst="rect">
             <a:avLst/>
@@ -13331,6 +13336,31 @@
               </a:rPr>
               <a:t>0.0000e+00 </a:t>
             </a:r>
+            <a:endParaRPr lang="en-US" altLang="en-US" dirty="0" smtClean="0">
+              <a:solidFill>
+                <a:schemeClr val="tx1"/>
+              </a:solidFill>
+              <a:latin typeface="menlo"/>
+            </a:endParaRPr>
+          </a:p>
+          <a:p>
+            <a:pPr marL="0" indent="0" defTabSz="914400" eaLnBrk="0" fontAlgn="base" hangingPunct="0">
+              <a:spcBef>
+                <a:spcPct val="0"/>
+              </a:spcBef>
+              <a:spcAft>
+                <a:spcPct val="0"/>
+              </a:spcAft>
+              <a:buClrTx/>
+              <a:buSzTx/>
+              <a:buNone/>
+            </a:pPr>
+            <a:endParaRPr lang="en-US" altLang="en-US" dirty="0">
+              <a:solidFill>
+                <a:schemeClr val="tx1"/>
+              </a:solidFill>
+              <a:latin typeface="menlo"/>
+            </a:endParaRPr>
           </a:p>
         </p:txBody>
       </p:sp>
@@ -13429,7 +13459,7 @@
         </p:spPr>
         <p:txBody>
           <a:bodyPr>
-            <a:normAutofit/>
+            <a:normAutofit fontScale="92500" lnSpcReduction="20000"/>
           </a:bodyPr>
           <a:lstStyle/>
           <a:p>
@@ -13445,13 +13475,22 @@
               <a:buNone/>
             </a:pPr>
             <a:r>
+              <a:rPr lang="en-US" altLang="en-US" b="1" dirty="0">
+                <a:solidFill>
+                  <a:schemeClr val="tx1"/>
+                </a:solidFill>
+                <a:latin typeface="menlo"/>
+              </a:rPr>
+              <a:t>Correlation </a:t>
+            </a:r>
+            <a:r>
               <a:rPr lang="en-US" altLang="en-US" dirty="0">
                 <a:solidFill>
                   <a:schemeClr val="tx1"/>
                 </a:solidFill>
                 <a:latin typeface="menlo"/>
               </a:rPr>
-              <a:t>Correlation (Age vs </a:t>
+              <a:t>(Age vs </a:t>
             </a:r>
             <a:r>
               <a:rPr lang="en-US" altLang="en-US" dirty="0" smtClean="0">
@@ -13510,13 +13549,64 @@
               <a:buNone/>
             </a:pPr>
             <a:r>
+              <a:rPr lang="en-US" altLang="en-US" b="1" dirty="0" smtClean="0">
+                <a:solidFill>
+                  <a:schemeClr val="tx1"/>
+                </a:solidFill>
+                <a:latin typeface="menlo"/>
+              </a:rPr>
+              <a:t>p-value</a:t>
+            </a:r>
+            <a:r>
               <a:rPr lang="en-US" altLang="en-US" dirty="0" smtClean="0">
                 <a:solidFill>
                   <a:schemeClr val="tx1"/>
                 </a:solidFill>
                 <a:latin typeface="menlo"/>
               </a:rPr>
-              <a:t>p-value = 1.7046e-18 </a:t>
+              <a:t> = 1.7046e-18 </a:t>
+            </a:r>
+          </a:p>
+          <a:p>
+            <a:pPr marL="0" lvl="0" indent="0" defTabSz="914400" eaLnBrk="0" fontAlgn="base" hangingPunct="0">
+              <a:spcBef>
+                <a:spcPct val="0"/>
+              </a:spcBef>
+              <a:spcAft>
+                <a:spcPct val="0"/>
+              </a:spcAft>
+              <a:buClrTx/>
+              <a:buSzTx/>
+              <a:buNone/>
+            </a:pPr>
+            <a:endParaRPr lang="en-US" altLang="en-US" dirty="0">
+              <a:solidFill>
+                <a:schemeClr val="tx1"/>
+              </a:solidFill>
+              <a:latin typeface="menlo"/>
+            </a:endParaRPr>
+          </a:p>
+          <a:p>
+            <a:pPr defTabSz="914400" eaLnBrk="0" fontAlgn="base" hangingPunct="0">
+              <a:spcBef>
+                <a:spcPct val="0"/>
+              </a:spcBef>
+              <a:spcAft>
+                <a:spcPct val="0"/>
+              </a:spcAft>
+              <a:buClrTx/>
+              <a:buSzTx/>
+              <a:buFont typeface="Arial" panose="020B0604020202020204" pitchFamily="34" charset="0"/>
+              <a:buChar char="•"/>
+            </a:pPr>
+            <a:r>
+              <a:rPr lang="en-US" altLang="en-US" dirty="0" smtClean="0">
+                <a:solidFill>
+                  <a:schemeClr val="tx1"/>
+                </a:solidFill>
+                <a:latin typeface="menlo"/>
+              </a:rPr>
+              <a:t>There is no such relationship can be seen in the graph</a:t>
             </a:r>
             <a:endParaRPr lang="en-US" altLang="en-US" dirty="0">
               <a:solidFill>
@@ -13644,13 +13734,22 @@
               <a:buNone/>
             </a:pPr>
             <a:r>
+              <a:rPr lang="en-US" altLang="en-US" b="1" dirty="0">
+                <a:solidFill>
+                  <a:schemeClr val="tx1"/>
+                </a:solidFill>
+                <a:latin typeface="menlo"/>
+              </a:rPr>
+              <a:t>ANOVA</a:t>
+            </a:r>
+            <a:r>
               <a:rPr lang="en-US" altLang="en-US" dirty="0">
                 <a:solidFill>
                   <a:schemeClr val="tx1"/>
                 </a:solidFill>
                 <a:latin typeface="menlo"/>
               </a:rPr>
-              <a:t>ANOVA (Education vs Outstanding): </a:t>
+              <a:t> (Education vs Outstanding): </a:t>
             </a:r>
           </a:p>
           <a:p>
@@ -13702,13 +13801,64 @@
               <a:buNone/>
             </a:pPr>
             <a:r>
+              <a:rPr lang="en-US" altLang="en-US" b="1" dirty="0" smtClean="0">
+                <a:solidFill>
+                  <a:schemeClr val="tx1"/>
+                </a:solidFill>
+                <a:latin typeface="menlo"/>
+              </a:rPr>
+              <a:t>p-value</a:t>
+            </a:r>
+            <a:r>
               <a:rPr lang="en-US" altLang="en-US" dirty="0" smtClean="0">
                 <a:solidFill>
                   <a:schemeClr val="tx1"/>
                 </a:solidFill>
                 <a:latin typeface="menlo"/>
               </a:rPr>
-              <a:t>p-value = 1.7739e-11</a:t>
+              <a:t> = 1.7739e-11</a:t>
+            </a:r>
+          </a:p>
+          <a:p>
+            <a:pPr marL="0" lvl="0" indent="0" defTabSz="914400" eaLnBrk="0" fontAlgn="base" hangingPunct="0">
+              <a:spcBef>
+                <a:spcPct val="0"/>
+              </a:spcBef>
+              <a:spcAft>
+                <a:spcPct val="0"/>
+              </a:spcAft>
+              <a:buClrTx/>
+              <a:buSzTx/>
+              <a:buNone/>
+            </a:pPr>
+            <a:endParaRPr lang="en-US" altLang="en-US" dirty="0">
+              <a:solidFill>
+                <a:schemeClr val="tx1"/>
+              </a:solidFill>
+              <a:latin typeface="menlo"/>
+            </a:endParaRPr>
+          </a:p>
+          <a:p>
+            <a:pPr defTabSz="914400" eaLnBrk="0" fontAlgn="base" hangingPunct="0">
+              <a:spcBef>
+                <a:spcPct val="0"/>
+              </a:spcBef>
+              <a:spcAft>
+                <a:spcPct val="0"/>
+              </a:spcAft>
+              <a:buClrTx/>
+              <a:buSzTx/>
+              <a:buFont typeface="Arial" panose="020B0604020202020204" pitchFamily="34" charset="0"/>
+              <a:buChar char="•"/>
+            </a:pPr>
+            <a:r>
+              <a:rPr lang="en-US" altLang="en-US" dirty="0" smtClean="0">
+                <a:solidFill>
+                  <a:schemeClr val="tx1"/>
+                </a:solidFill>
+                <a:latin typeface="menlo"/>
+              </a:rPr>
+              <a:t>No such relationship can be seen in the education and total outstanding column</a:t>
             </a:r>
             <a:endParaRPr lang="en-US" altLang="en-US" dirty="0">
               <a:solidFill>
@@ -13816,8 +13966,8 @@
         </p:nvSpPr>
         <p:spPr bwMode="auto">
           <a:xfrm>
-            <a:off x="475685" y="2647310"/>
-            <a:ext cx="3573671" cy="1107996"/>
+            <a:off x="475685" y="2508812"/>
+            <a:ext cx="3573670" cy="2492990"/>
           </a:xfrm>
           <a:prstGeom prst="rect">
             <a:avLst/>
@@ -13852,7 +14002,7 @@
           </a:extLst>
         </p:spPr>
         <p:txBody>
-          <a:bodyPr vert="horz" wrap="none" lIns="0" tIns="0" rIns="0" bIns="0" numCol="1" anchor="ctr" anchorCtr="0" compatLnSpc="1">
+          <a:bodyPr vert="horz" wrap="square" lIns="0" tIns="0" rIns="0" bIns="0" numCol="1" anchor="ctr" anchorCtr="0" compatLnSpc="1">
             <a:prstTxWarp prst="textNoShape">
               <a:avLst/>
             </a:prstTxWarp>
@@ -13877,6 +14027,19 @@
               <a:tabLst/>
             </a:pPr>
             <a:r>
+              <a:rPr kumimoji="0" lang="en-US" altLang="en-US" b="1" i="0" u="none" strike="noStrike" cap="none" normalizeH="0" baseline="0" dirty="0" smtClean="0">
+                <a:ln>
+                  <a:noFill/>
+                </a:ln>
+                <a:solidFill>
+                  <a:schemeClr val="tx1"/>
+                </a:solidFill>
+                <a:effectLst/>
+                <a:latin typeface="menlo"/>
+              </a:rPr>
+              <a:t>ANOVA </a:t>
+            </a:r>
+            <a:r>
               <a:rPr kumimoji="0" lang="en-US" altLang="en-US" b="0" i="0" u="none" strike="noStrike" cap="none" normalizeH="0" baseline="0" dirty="0" smtClean="0">
                 <a:ln>
                   <a:noFill/>
@@ -13887,7 +14050,7 @@
                 <a:effectLst/>
                 <a:latin typeface="menlo"/>
               </a:rPr>
-              <a:t>ANOVA (Marriage vs Outstanding):</a:t>
+              <a:t>(Marriage vs Outstanding):</a:t>
             </a:r>
           </a:p>
           <a:p>
@@ -13963,6 +14126,19 @@
               <a:tabLst/>
             </a:pPr>
             <a:r>
+              <a:rPr kumimoji="0" lang="en-US" altLang="en-US" b="1" i="0" u="none" strike="noStrike" cap="none" normalizeH="0" baseline="0" dirty="0" smtClean="0">
+                <a:ln>
+                  <a:noFill/>
+                </a:ln>
+                <a:solidFill>
+                  <a:schemeClr val="tx1"/>
+                </a:solidFill>
+                <a:effectLst/>
+                <a:latin typeface="menlo"/>
+              </a:rPr>
+              <a:t>p-value</a:t>
+            </a:r>
+            <a:r>
               <a:rPr kumimoji="0" lang="en-US" altLang="en-US" b="0" i="0" u="none" strike="noStrike" cap="none" normalizeH="0" baseline="0" dirty="0" smtClean="0">
                 <a:ln>
                   <a:noFill/>
@@ -13973,7 +14149,7 @@
                 <a:effectLst/>
                 <a:latin typeface="menlo"/>
               </a:rPr>
-              <a:t>p-value = 3.7391e-06</a:t>
+              <a:t> = 3.7391e-06</a:t>
             </a:r>
             <a:r>
               <a:rPr kumimoji="0" lang="en-US" altLang="en-US" b="0" i="0" u="none" strike="noStrike" cap="none" normalizeH="0" baseline="0" dirty="0" smtClean="0">
@@ -13987,7 +14163,101 @@
               </a:rPr>
               <a:t> </a:t>
             </a:r>
-            <a:endParaRPr kumimoji="0" lang="en-US" altLang="en-US" b="0" i="0" u="none" strike="noStrike" cap="none" normalizeH="0" baseline="0" dirty="0" smtClean="0">
+          </a:p>
+          <a:p>
+            <a:pPr marL="0" marR="0" lvl="0" indent="0" algn="l" defTabSz="914400" rtl="0" eaLnBrk="0" fontAlgn="base" latinLnBrk="0" hangingPunct="0">
+              <a:lnSpc>
+                <a:spcPct val="100000"/>
+              </a:lnSpc>
+              <a:spcBef>
+                <a:spcPct val="0"/>
+              </a:spcBef>
+              <a:spcAft>
+                <a:spcPct val="0"/>
+              </a:spcAft>
+              <a:buClrTx/>
+              <a:buSzTx/>
+              <a:buFontTx/>
+              <a:buNone/>
+              <a:tabLst/>
+            </a:pPr>
+            <a:endParaRPr lang="en-US" altLang="en-US" dirty="0">
+              <a:solidFill>
+                <a:schemeClr val="tx1"/>
+              </a:solidFill>
+              <a:latin typeface="Arial" panose="020B0604020202020204" pitchFamily="34" charset="0"/>
+            </a:endParaRPr>
+          </a:p>
+          <a:p>
+            <a:pPr marR="0" lvl="0" algn="l" defTabSz="914400" rtl="0" eaLnBrk="0" fontAlgn="base" latinLnBrk="0" hangingPunct="0">
+              <a:lnSpc>
+                <a:spcPct val="100000"/>
+              </a:lnSpc>
+              <a:spcBef>
+                <a:spcPct val="0"/>
+              </a:spcBef>
+              <a:spcAft>
+                <a:spcPct val="0"/>
+              </a:spcAft>
+              <a:buClrTx/>
+              <a:buSzTx/>
+              <a:buFont typeface="Arial" panose="020B0604020202020204" pitchFamily="34" charset="0"/>
+              <a:buChar char="•"/>
+              <a:tabLst/>
+            </a:pPr>
+            <a:r>
+              <a:rPr kumimoji="0" lang="en-US" altLang="en-US" i="0" u="none" strike="noStrike" cap="none" normalizeH="0" baseline="0" dirty="0" smtClean="0">
+                <a:ln>
+                  <a:noFill/>
+                </a:ln>
+                <a:solidFill>
+                  <a:schemeClr val="tx1"/>
+                </a:solidFill>
+                <a:effectLst/>
+                <a:latin typeface="Arial" panose="020B0604020202020204" pitchFamily="34" charset="0"/>
+              </a:rPr>
+              <a:t>Here we see that</a:t>
+            </a:r>
+            <a:r>
+              <a:rPr kumimoji="0" lang="en-US" altLang="en-US" i="0" u="none" strike="noStrike" cap="none" normalizeH="0" dirty="0" smtClean="0">
+                <a:ln>
+                  <a:noFill/>
+                </a:ln>
+                <a:solidFill>
+                  <a:schemeClr val="tx1"/>
+                </a:solidFill>
+                <a:effectLst/>
+                <a:latin typeface="Arial" panose="020B0604020202020204" pitchFamily="34" charset="0"/>
+              </a:rPr>
+              <a:t> married and singles are given </a:t>
+            </a:r>
+            <a:r>
+              <a:rPr kumimoji="0" lang="en-US" altLang="en-US" i="0" u="none" strike="noStrike" cap="none" normalizeH="0" dirty="0" smtClean="0">
+                <a:ln>
+                  <a:noFill/>
+                </a:ln>
+                <a:solidFill>
+                  <a:schemeClr val="tx1"/>
+                </a:solidFill>
+                <a:effectLst/>
+                <a:latin typeface="Arial" panose="020B0604020202020204" pitchFamily="34" charset="0"/>
+              </a:rPr>
+              <a:t>more outstanding </a:t>
+            </a:r>
+            <a:r>
+              <a:rPr kumimoji="0" lang="en-US" altLang="en-US" i="0" u="none" strike="noStrike" cap="none" normalizeH="0" dirty="0" smtClean="0">
+                <a:ln>
+                  <a:noFill/>
+                </a:ln>
+                <a:solidFill>
+                  <a:schemeClr val="tx1"/>
+                </a:solidFill>
+                <a:effectLst/>
+                <a:latin typeface="Arial" panose="020B0604020202020204" pitchFamily="34" charset="0"/>
+              </a:rPr>
+              <a:t>amount compared to the others</a:t>
+            </a:r>
+            <a:endParaRPr kumimoji="0" lang="en-US" altLang="en-US" i="0" u="none" strike="noStrike" cap="none" normalizeH="0" baseline="0" dirty="0" smtClean="0">
               <a:ln>
                 <a:noFill/>
               </a:ln>
@@ -15062,12 +15332,16 @@
               <a:t>we see that in </a:t>
             </a:r>
             <a:r>
-              <a:rPr lang="en-US" sz="1800" b="1" dirty="0" err="1"/>
-              <a:t>apy_amt</a:t>
+              <a:rPr lang="en-US" sz="1800" b="1" dirty="0" err="1" smtClean="0"/>
+              <a:t>pay_amt</a:t>
+            </a:r>
+            <a:r>
+              <a:rPr lang="en-US" sz="1800" b="1" dirty="0" smtClean="0"/>
+              <a:t> </a:t>
             </a:r>
             <a:r>
               <a:rPr lang="en-US" sz="1800" b="1" dirty="0"/>
-              <a:t> column the customer which pay amount duly has the more chances of been in the default category </a:t>
+              <a:t>column the customer which pay amount duly has the more chances of been in the default category </a:t>
             </a:r>
             <a:endParaRPr lang="en-IN" sz="1800" b="1" dirty="0"/>
           </a:p>
@@ -15168,12 +15442,16 @@
               <a:t>here we see that in </a:t>
             </a:r>
             <a:r>
-              <a:rPr lang="en-US" sz="1800" b="1" dirty="0" err="1"/>
-              <a:t>apy_amt</a:t>
+              <a:rPr lang="en-US" sz="1800" b="1" dirty="0" err="1" smtClean="0"/>
+              <a:t>pay_amt</a:t>
+            </a:r>
+            <a:r>
+              <a:rPr lang="en-US" sz="1800" b="1" dirty="0" smtClean="0"/>
+              <a:t> </a:t>
             </a:r>
             <a:r>
               <a:rPr lang="en-US" sz="1800" b="1" dirty="0"/>
-              <a:t> column the customer which pay amount duly has the more chances of been in the default category </a:t>
+              <a:t>column the customer which pay amount duly has the more chances of been in the default category </a:t>
             </a:r>
             <a:endParaRPr lang="en-IN" sz="1800" b="1" dirty="0"/>
           </a:p>
@@ -15267,11 +15545,7 @@
             </a:br>
             <a:r>
               <a:rPr lang="en-US" sz="1800" b="1" dirty="0"/>
-              <a:t>Overall outstanding amount </a:t>
-            </a:r>
-            <a:r>
-              <a:rPr lang="en-US" sz="1800" b="1" dirty="0"/>
-              <a:t>trends</a:t>
+              <a:t>Overall outstanding amount trends</a:t>
             </a:r>
             <a:br>
               <a:rPr lang="en-US" sz="1800" b="1" dirty="0"/>
